--- a/AngularJS.pptx
+++ b/AngularJS.pptx
@@ -125,7 +125,7 @@
   </p:defaultTextStyle>
   <p:extLst>
     <p:ext uri="{EFAFB233-063F-42B5-8137-9DF3F51BA10A}">
-      <p15:sldGuideLst xmlns="" xmlns:p15="http://schemas.microsoft.com/office/powerpoint/2012/main">
+      <p15:sldGuideLst xmlns:p15="http://schemas.microsoft.com/office/powerpoint/2012/main" xmlns="">
         <p15:guide id="1" orient="horz" pos="192">
           <p15:clr>
             <a:srgbClr val="A4A3A4"/>
@@ -230,7 +230,7 @@
             <a:fld id="{3F4E04E3-46F8-42D5-8D43-86D3EA9130A8}" type="datetimeFigureOut">
               <a:rPr lang="en-US" smtClean="0"/>
               <a:pPr/>
-              <a:t>2/9/2016</a:t>
+              <a:t>2/17/2016</a:t>
             </a:fld>
             <a:endParaRPr lang="en-US" dirty="0"/>
           </a:p>
@@ -912,7 +912,7 @@
             <a:pPr marL="0" lvl="8"/>
             <a:fld id="{E4B72B7D-F83D-4168-BFF7-DD42808AF9E5}" type="datetime1">
               <a:rPr lang="en-US" sz="1200" smtClean="0"/>
-              <a:t>2/10/2016</a:t>
+              <a:t>2/17/2016</a:t>
             </a:fld>
             <a:endParaRPr lang="en-US" sz="1200" dirty="0" smtClean="0"/>
           </a:p>
@@ -3293,7 +3293,7 @@
             <a:pPr marL="0" lvl="8"/>
             <a:fld id="{329CF85D-3C73-401A-90D2-D9B8C808D96A}" type="datetime1">
               <a:rPr lang="en-US" sz="1200" smtClean="0"/>
-              <a:t>2/10/2016</a:t>
+              <a:t>2/17/2016</a:t>
             </a:fld>
             <a:endParaRPr lang="en-US" sz="1200" dirty="0" smtClean="0"/>
           </a:p>
@@ -8377,7 +8377,7 @@
             <a:pPr marL="0" lvl="8" algn="l"/>
             <a:fld id="{07B93430-98AF-465D-90B8-931DBCC58E09}" type="datetime1">
               <a:rPr lang="en-US" sz="1200" smtClean="0"/>
-              <a:t>2/10/2016</a:t>
+              <a:t>2/17/2016</a:t>
             </a:fld>
             <a:endParaRPr lang="en-US" sz="1200" dirty="0" smtClean="0"/>
           </a:p>
@@ -26701,9 +26701,6 @@
               </a:rPr>
               <a:t>once.</a:t>
             </a:r>
-            <a:endParaRPr lang="en-US" dirty="0" smtClean="0">
-              <a:latin typeface="Calibri" panose="020F0502020204030204" pitchFamily="34" charset="0"/>
-            </a:endParaRPr>
           </a:p>
           <a:p>
             <a:pPr marL="742950" lvl="1" indent="-285750">
@@ -27613,9 +27610,6 @@
               </a:rPr>
               <a:t>   </a:t>
             </a:r>
-            <a:endParaRPr lang="en-US" dirty="0" smtClean="0">
-              <a:latin typeface="Calibri" panose="020F0502020204030204" pitchFamily="34" charset="0"/>
-            </a:endParaRPr>
           </a:p>
         </p:txBody>
       </p:sp>
@@ -28269,13 +28263,7 @@
               <a:rPr lang="en-US" dirty="0" smtClean="0">
                 <a:latin typeface="Calibri" panose="020F0502020204030204" pitchFamily="34" charset="0"/>
               </a:rPr>
-              <a:t> Application </a:t>
-            </a:r>
-            <a:r>
-              <a:rPr lang="en-US" dirty="0" smtClean="0">
-                <a:latin typeface="Calibri" panose="020F0502020204030204" pitchFamily="34" charset="0"/>
-              </a:rPr>
-              <a:t>Framework (MVVM) </a:t>
+              <a:t> Application Framework (MVVM) </a:t>
             </a:r>
             <a:endParaRPr lang="en-US" dirty="0">
               <a:latin typeface="Calibri" panose="020F0502020204030204" pitchFamily="34" charset="0"/>
